--- a/Courseware/Bonsai 2-Day A (2024-10-12).pptx
+++ b/Courseware/Bonsai 2-Day A (2024-10-12).pptx
@@ -16453,7 +16453,7 @@
           <a:p>
             <a:r>
               <a:rPr lang="en-US" dirty="0"/>
-              <a:t>Learning Outcomes</a:t>
+              <a:t>Learning Outcomes – Day 1</a:t>
             </a:r>
             <a:br>
               <a:rPr lang="en-US" dirty="0"/>
